--- a/documents/Presentation.pptx
+++ b/documents/Presentation.pptx
@@ -119,21 +119,6 @@
 </p:presentation>
 </file>
 
-<file path=ppt/revisionInfo.xml><?xml version="1.0" encoding="utf-8"?>
-<p1510:revInfo xmlns:a="http://schemas.openxmlformats.org/drawingml/2006/main" xmlns:r="http://schemas.openxmlformats.org/officeDocument/2006/relationships" xmlns:p1510="http://schemas.microsoft.com/office/powerpoint/2015/10/main">
-  <p1510:revLst>
-    <p1510:client id="{10C4A88E-163F-D366-8E97-D81DA90EFBA9}" v="8" dt="2021-11-08T17:22:53.040"/>
-    <p1510:client id="{8A2FEDEC-36FF-8F9E-D4E9-5CC3C3C6A90C}" v="83" dt="2021-11-08T17:22:00.402"/>
-    <p1510:client id="{914A9F15-0E41-6D82-471A-B09A00C18C25}" v="6" dt="2021-11-08T17:36:56.866"/>
-    <p1510:client id="{933B9CF8-FB53-4BF9-8B61-044B76B34F8C}" v="5" dt="2021-11-08T17:45:48.809"/>
-    <p1510:client id="{9E5BDBB8-23FC-4BE9-8E6B-1D78B9CE4DAE}" v="157" dt="2021-11-08T20:12:25.435"/>
-    <p1510:client id="{B0833DD4-2FBD-D4AC-9669-F8ABB9A08ED3}" v="33" dt="2021-11-08T17:25:37.279"/>
-    <p1510:client id="{B6EE32C2-5F78-4F66-9C73-24E2A6A98AF6}" vWet="4" dt="2021-11-08T17:05:31.669"/>
-    <p1510:client id="{BA6725D8-18C0-7AA0-E6FD-2A5E7265C438}" v="14" dt="2021-11-08T17:38:27.875"/>
-  </p1510:revLst>
-</p1510:revInfo>
-</file>
-
 <file path=ppt/slideLayouts/slideLayout1.xml><?xml version="1.0" encoding="utf-8"?>
 <p:sldLayout xmlns:a="http://schemas.openxmlformats.org/drawingml/2006/main" xmlns:r="http://schemas.openxmlformats.org/officeDocument/2006/relationships" xmlns:p="http://schemas.openxmlformats.org/presentationml/2006/main" type="title" preserve="1">
   <p:cSld name="Title Slide">
@@ -283,7 +268,7 @@
           <a:p>
             <a:fld id="{9894B26B-114C-497F-A86C-73F3D6BC3B36}" type="datetimeFigureOut">
               <a:rPr lang="en-GB" smtClean="0"/>
-              <a:t>10/02/2022</a:t>
+              <a:t>13/02/2022</a:t>
             </a:fld>
             <a:endParaRPr lang="en-GB"/>
           </a:p>
@@ -483,7 +468,7 @@
           <a:p>
             <a:fld id="{9894B26B-114C-497F-A86C-73F3D6BC3B36}" type="datetimeFigureOut">
               <a:rPr lang="en-GB" smtClean="0"/>
-              <a:t>10/02/2022</a:t>
+              <a:t>13/02/2022</a:t>
             </a:fld>
             <a:endParaRPr lang="en-GB"/>
           </a:p>
@@ -693,7 +678,7 @@
           <a:p>
             <a:fld id="{9894B26B-114C-497F-A86C-73F3D6BC3B36}" type="datetimeFigureOut">
               <a:rPr lang="en-GB" smtClean="0"/>
-              <a:t>10/02/2022</a:t>
+              <a:t>13/02/2022</a:t>
             </a:fld>
             <a:endParaRPr lang="en-GB"/>
           </a:p>
@@ -893,7 +878,7 @@
           <a:p>
             <a:fld id="{9894B26B-114C-497F-A86C-73F3D6BC3B36}" type="datetimeFigureOut">
               <a:rPr lang="en-GB" smtClean="0"/>
-              <a:t>10/02/2022</a:t>
+              <a:t>13/02/2022</a:t>
             </a:fld>
             <a:endParaRPr lang="en-GB"/>
           </a:p>
@@ -1169,7 +1154,7 @@
           <a:p>
             <a:fld id="{9894B26B-114C-497F-A86C-73F3D6BC3B36}" type="datetimeFigureOut">
               <a:rPr lang="en-GB" smtClean="0"/>
-              <a:t>10/02/2022</a:t>
+              <a:t>13/02/2022</a:t>
             </a:fld>
             <a:endParaRPr lang="en-GB"/>
           </a:p>
@@ -1437,7 +1422,7 @@
           <a:p>
             <a:fld id="{9894B26B-114C-497F-A86C-73F3D6BC3B36}" type="datetimeFigureOut">
               <a:rPr lang="en-GB" smtClean="0"/>
-              <a:t>10/02/2022</a:t>
+              <a:t>13/02/2022</a:t>
             </a:fld>
             <a:endParaRPr lang="en-GB"/>
           </a:p>
@@ -1852,7 +1837,7 @@
           <a:p>
             <a:fld id="{9894B26B-114C-497F-A86C-73F3D6BC3B36}" type="datetimeFigureOut">
               <a:rPr lang="en-GB" smtClean="0"/>
-              <a:t>10/02/2022</a:t>
+              <a:t>13/02/2022</a:t>
             </a:fld>
             <a:endParaRPr lang="en-GB"/>
           </a:p>
@@ -1994,7 +1979,7 @@
           <a:p>
             <a:fld id="{9894B26B-114C-497F-A86C-73F3D6BC3B36}" type="datetimeFigureOut">
               <a:rPr lang="en-GB" smtClean="0"/>
-              <a:t>10/02/2022</a:t>
+              <a:t>13/02/2022</a:t>
             </a:fld>
             <a:endParaRPr lang="en-GB"/>
           </a:p>
@@ -2107,7 +2092,7 @@
           <a:p>
             <a:fld id="{9894B26B-114C-497F-A86C-73F3D6BC3B36}" type="datetimeFigureOut">
               <a:rPr lang="en-GB" smtClean="0"/>
-              <a:t>10/02/2022</a:t>
+              <a:t>13/02/2022</a:t>
             </a:fld>
             <a:endParaRPr lang="en-GB"/>
           </a:p>
@@ -2420,7 +2405,7 @@
           <a:p>
             <a:fld id="{9894B26B-114C-497F-A86C-73F3D6BC3B36}" type="datetimeFigureOut">
               <a:rPr lang="en-GB" smtClean="0"/>
-              <a:t>10/02/2022</a:t>
+              <a:t>13/02/2022</a:t>
             </a:fld>
             <a:endParaRPr lang="en-GB"/>
           </a:p>
@@ -2709,7 +2694,7 @@
           <a:p>
             <a:fld id="{9894B26B-114C-497F-A86C-73F3D6BC3B36}" type="datetimeFigureOut">
               <a:rPr lang="en-GB" smtClean="0"/>
-              <a:t>10/02/2022</a:t>
+              <a:t>13/02/2022</a:t>
             </a:fld>
             <a:endParaRPr lang="en-GB"/>
           </a:p>
@@ -2952,7 +2937,7 @@
           <a:p>
             <a:fld id="{9894B26B-114C-497F-A86C-73F3D6BC3B36}" type="datetimeFigureOut">
               <a:rPr lang="en-GB" smtClean="0"/>
-              <a:t>10/02/2022</a:t>
+              <a:t>13/02/2022</a:t>
             </a:fld>
             <a:endParaRPr lang="en-GB"/>
           </a:p>
@@ -6958,7 +6943,7 @@
         </p:nvSpPr>
         <p:spPr>
           <a:xfrm>
-            <a:off x="736847" y="2155542"/>
+            <a:off x="761909" y="2504396"/>
             <a:ext cx="10668182" cy="3188815"/>
           </a:xfrm>
           <a:prstGeom prst="roundRect">
@@ -7126,6 +7111,141 @@
           </a:p>
         </p:txBody>
       </p:sp>
+      <p:pic>
+        <p:nvPicPr>
+          <p:cNvPr id="7" name="Picture 2">
+            <a:extLst>
+              <a:ext uri="{FF2B5EF4-FFF2-40B4-BE49-F238E27FC236}">
+                <a16:creationId xmlns:a16="http://schemas.microsoft.com/office/drawing/2014/main" id="{002C3E89-F1BC-482B-8932-77E799B0122E}"/>
+              </a:ext>
+            </a:extLst>
+          </p:cNvPr>
+          <p:cNvPicPr>
+            <a:picLocks noChangeAspect="1" noChangeArrowheads="1"/>
+          </p:cNvPicPr>
+          <p:nvPr/>
+        </p:nvPicPr>
+        <p:blipFill>
+          <a:blip r:embed="rId2">
+            <a:extLst>
+              <a:ext uri="{28A0092B-C50C-407E-A947-70E740481C1C}">
+                <a14:useLocalDpi xmlns:a14="http://schemas.microsoft.com/office/drawing/2010/main" val="0"/>
+              </a:ext>
+            </a:extLst>
+          </a:blip>
+          <a:srcRect/>
+          <a:stretch>
+            <a:fillRect/>
+          </a:stretch>
+        </p:blipFill>
+        <p:spPr bwMode="auto">
+          <a:xfrm>
+            <a:off x="6906874" y="-295455"/>
+            <a:ext cx="2769742" cy="2769742"/>
+          </a:xfrm>
+          <a:prstGeom prst="rect">
+            <a:avLst/>
+          </a:prstGeom>
+          <a:noFill/>
+          <a:extLst>
+            <a:ext uri="{909E8E84-426E-40DD-AFC4-6F175D3DCCD1}">
+              <a14:hiddenFill xmlns:a14="http://schemas.microsoft.com/office/drawing/2010/main">
+                <a:solidFill>
+                  <a:srgbClr val="FFFFFF"/>
+                </a:solidFill>
+              </a14:hiddenFill>
+            </a:ext>
+          </a:extLst>
+        </p:spPr>
+      </p:pic>
+      <p:sp>
+        <p:nvSpPr>
+          <p:cNvPr id="3" name="AutoShape 2" descr="screenshot">
+            <a:extLst>
+              <a:ext uri="{FF2B5EF4-FFF2-40B4-BE49-F238E27FC236}">
+                <a16:creationId xmlns:a16="http://schemas.microsoft.com/office/drawing/2014/main" id="{A9D4584E-0B06-47CF-B6AB-E8D649B06A0B}"/>
+              </a:ext>
+            </a:extLst>
+          </p:cNvPr>
+          <p:cNvSpPr>
+            <a:spLocks noChangeAspect="1" noChangeArrowheads="1"/>
+          </p:cNvSpPr>
+          <p:nvPr/>
+        </p:nvSpPr>
+        <p:spPr bwMode="auto">
+          <a:xfrm>
+            <a:off x="5943600" y="3276600"/>
+            <a:ext cx="3606800" cy="3606800"/>
+          </a:xfrm>
+          <a:prstGeom prst="rect">
+            <a:avLst/>
+          </a:prstGeom>
+          <a:noFill/>
+          <a:extLst>
+            <a:ext uri="{909E8E84-426E-40DD-AFC4-6F175D3DCCD1}">
+              <a14:hiddenFill xmlns:a14="http://schemas.microsoft.com/office/drawing/2010/main">
+                <a:solidFill>
+                  <a:srgbClr val="FFFFFF"/>
+                </a:solidFill>
+              </a14:hiddenFill>
+            </a:ext>
+          </a:extLst>
+        </p:spPr>
+        <p:txBody>
+          <a:bodyPr vert="horz" wrap="square" lIns="91440" tIns="45720" rIns="91440" bIns="45720" numCol="1" anchor="t" anchorCtr="0" compatLnSpc="1">
+            <a:prstTxWarp prst="textNoShape">
+              <a:avLst/>
+            </a:prstTxWarp>
+          </a:bodyPr>
+          <a:lstStyle/>
+          <a:p>
+            <a:endParaRPr lang="en-GB"/>
+          </a:p>
+        </p:txBody>
+      </p:sp>
+      <p:pic>
+        <p:nvPicPr>
+          <p:cNvPr id="8" name="Picture 7">
+            <a:extLst>
+              <a:ext uri="{FF2B5EF4-FFF2-40B4-BE49-F238E27FC236}">
+                <a16:creationId xmlns:a16="http://schemas.microsoft.com/office/drawing/2014/main" id="{C16FEEC2-4541-4521-B26E-EFFFE37F321C}"/>
+              </a:ext>
+            </a:extLst>
+          </p:cNvPr>
+          <p:cNvPicPr>
+            <a:picLocks noChangeAspect="1"/>
+          </p:cNvPicPr>
+          <p:nvPr/>
+        </p:nvPicPr>
+        <p:blipFill>
+          <a:blip r:embed="rId3"/>
+          <a:stretch>
+            <a:fillRect/>
+          </a:stretch>
+        </p:blipFill>
+        <p:spPr>
+          <a:xfrm>
+            <a:off x="2183113" y="2041236"/>
+            <a:ext cx="7738924" cy="4466509"/>
+          </a:xfrm>
+          <a:prstGeom prst="roundRect">
+            <a:avLst>
+              <a:gd name="adj" fmla="val 8594"/>
+            </a:avLst>
+          </a:prstGeom>
+          <a:solidFill>
+            <a:srgbClr val="FFFFFF">
+              <a:shade val="85000"/>
+            </a:srgbClr>
+          </a:solidFill>
+          <a:ln>
+            <a:noFill/>
+          </a:ln>
+          <a:effectLst>
+            <a:reflection blurRad="12700" stA="38000" endPos="28000" dist="5000" dir="5400000" sy="-100000" algn="bl" rotWithShape="0"/>
+          </a:effectLst>
+        </p:spPr>
+      </p:pic>
     </p:spTree>
     <p:extLst>
       <p:ext uri="{BB962C8B-B14F-4D97-AF65-F5344CB8AC3E}">
@@ -7352,6 +7472,93 @@
           </a:p>
         </p:txBody>
       </p:sp>
+      <p:pic>
+        <p:nvPicPr>
+          <p:cNvPr id="5" name="Picture 4">
+            <a:extLst>
+              <a:ext uri="{FF2B5EF4-FFF2-40B4-BE49-F238E27FC236}">
+                <a16:creationId xmlns:a16="http://schemas.microsoft.com/office/drawing/2014/main" id="{C75DA47F-CAE3-4E31-B7B1-33F325AB6EC6}"/>
+              </a:ext>
+            </a:extLst>
+          </p:cNvPr>
+          <p:cNvPicPr>
+            <a:picLocks noChangeAspect="1"/>
+          </p:cNvPicPr>
+          <p:nvPr/>
+        </p:nvPicPr>
+        <p:blipFill>
+          <a:blip r:embed="rId2"/>
+          <a:stretch>
+            <a:fillRect/>
+          </a:stretch>
+        </p:blipFill>
+        <p:spPr>
+          <a:xfrm>
+            <a:off x="3312208" y="1790500"/>
+            <a:ext cx="5931571" cy="4446081"/>
+          </a:xfrm>
+          <a:prstGeom prst="rect">
+            <a:avLst/>
+          </a:prstGeom>
+          <a:ln>
+            <a:noFill/>
+          </a:ln>
+          <a:effectLst>
+            <a:outerShdw blurRad="292100" dist="139700" dir="2700000" algn="tl" rotWithShape="0">
+              <a:srgbClr val="333333">
+                <a:alpha val="65000"/>
+              </a:srgbClr>
+            </a:outerShdw>
+          </a:effectLst>
+        </p:spPr>
+      </p:pic>
+      <p:pic>
+        <p:nvPicPr>
+          <p:cNvPr id="9" name="Picture 2">
+            <a:extLst>
+              <a:ext uri="{FF2B5EF4-FFF2-40B4-BE49-F238E27FC236}">
+                <a16:creationId xmlns:a16="http://schemas.microsoft.com/office/drawing/2014/main" id="{3021EA51-795F-4A64-96D1-DCADA3F810DD}"/>
+              </a:ext>
+            </a:extLst>
+          </p:cNvPr>
+          <p:cNvPicPr>
+            <a:picLocks noChangeAspect="1" noChangeArrowheads="1"/>
+          </p:cNvPicPr>
+          <p:nvPr/>
+        </p:nvPicPr>
+        <p:blipFill>
+          <a:blip r:embed="rId3">
+            <a:extLst>
+              <a:ext uri="{28A0092B-C50C-407E-A947-70E740481C1C}">
+                <a14:useLocalDpi xmlns:a14="http://schemas.microsoft.com/office/drawing/2010/main" val="0"/>
+              </a:ext>
+            </a:extLst>
+          </a:blip>
+          <a:srcRect/>
+          <a:stretch>
+            <a:fillRect/>
+          </a:stretch>
+        </p:blipFill>
+        <p:spPr bwMode="auto">
+          <a:xfrm>
+            <a:off x="6782698" y="-433121"/>
+            <a:ext cx="2769742" cy="2769742"/>
+          </a:xfrm>
+          <a:prstGeom prst="rect">
+            <a:avLst/>
+          </a:prstGeom>
+          <a:noFill/>
+          <a:extLst>
+            <a:ext uri="{909E8E84-426E-40DD-AFC4-6F175D3DCCD1}">
+              <a14:hiddenFill xmlns:a14="http://schemas.microsoft.com/office/drawing/2010/main">
+                <a:solidFill>
+                  <a:srgbClr val="FFFFFF"/>
+                </a:solidFill>
+              </a14:hiddenFill>
+            </a:ext>
+          </a:extLst>
+        </p:spPr>
+      </p:pic>
     </p:spTree>
     <p:extLst>
       <p:ext uri="{BB962C8B-B14F-4D97-AF65-F5344CB8AC3E}">
@@ -7561,6 +7768,133 @@
           </a:p>
         </p:txBody>
       </p:sp>
+      <p:pic>
+        <p:nvPicPr>
+          <p:cNvPr id="9" name="Picture 2">
+            <a:extLst>
+              <a:ext uri="{FF2B5EF4-FFF2-40B4-BE49-F238E27FC236}">
+                <a16:creationId xmlns:a16="http://schemas.microsoft.com/office/drawing/2014/main" id="{26090303-2320-4140-82AB-F27EB69D66C1}"/>
+              </a:ext>
+            </a:extLst>
+          </p:cNvPr>
+          <p:cNvPicPr>
+            <a:picLocks noChangeAspect="1" noChangeArrowheads="1"/>
+          </p:cNvPicPr>
+          <p:nvPr/>
+        </p:nvPicPr>
+        <p:blipFill>
+          <a:blip r:embed="rId2">
+            <a:extLst>
+              <a:ext uri="{28A0092B-C50C-407E-A947-70E740481C1C}">
+                <a14:useLocalDpi xmlns:a14="http://schemas.microsoft.com/office/drawing/2010/main" val="0"/>
+              </a:ext>
+            </a:extLst>
+          </a:blip>
+          <a:srcRect/>
+          <a:stretch>
+            <a:fillRect/>
+          </a:stretch>
+        </p:blipFill>
+        <p:spPr bwMode="auto">
+          <a:xfrm>
+            <a:off x="7408118" y="-369346"/>
+            <a:ext cx="2769742" cy="2769742"/>
+          </a:xfrm>
+          <a:prstGeom prst="rect">
+            <a:avLst/>
+          </a:prstGeom>
+          <a:noFill/>
+          <a:extLst>
+            <a:ext uri="{909E8E84-426E-40DD-AFC4-6F175D3DCCD1}">
+              <a14:hiddenFill xmlns:a14="http://schemas.microsoft.com/office/drawing/2010/main">
+                <a:solidFill>
+                  <a:srgbClr val="FFFFFF"/>
+                </a:solidFill>
+              </a14:hiddenFill>
+            </a:ext>
+          </a:extLst>
+        </p:spPr>
+      </p:pic>
+      <p:pic>
+        <p:nvPicPr>
+          <p:cNvPr id="3" name="Picture 2">
+            <a:extLst>
+              <a:ext uri="{FF2B5EF4-FFF2-40B4-BE49-F238E27FC236}">
+                <a16:creationId xmlns:a16="http://schemas.microsoft.com/office/drawing/2014/main" id="{1F068F90-BFDA-410F-AD13-BE6F674C7898}"/>
+              </a:ext>
+            </a:extLst>
+          </p:cNvPr>
+          <p:cNvPicPr>
+            <a:picLocks noChangeAspect="1"/>
+          </p:cNvPicPr>
+          <p:nvPr/>
+        </p:nvPicPr>
+        <p:blipFill>
+          <a:blip r:embed="rId3"/>
+          <a:stretch>
+            <a:fillRect/>
+          </a:stretch>
+        </p:blipFill>
+        <p:spPr>
+          <a:xfrm>
+            <a:off x="986142" y="1979605"/>
+            <a:ext cx="4038442" cy="3649648"/>
+          </a:xfrm>
+          <a:prstGeom prst="rect">
+            <a:avLst/>
+          </a:prstGeom>
+          <a:ln>
+            <a:noFill/>
+          </a:ln>
+          <a:effectLst>
+            <a:outerShdw blurRad="292100" dist="139700" dir="2700000" algn="tl" rotWithShape="0">
+              <a:srgbClr val="333333">
+                <a:alpha val="65000"/>
+              </a:srgbClr>
+            </a:outerShdw>
+          </a:effectLst>
+        </p:spPr>
+      </p:pic>
+      <p:pic>
+        <p:nvPicPr>
+          <p:cNvPr id="5" name="Picture 4">
+            <a:extLst>
+              <a:ext uri="{FF2B5EF4-FFF2-40B4-BE49-F238E27FC236}">
+                <a16:creationId xmlns:a16="http://schemas.microsoft.com/office/drawing/2014/main" id="{5F7EDDD7-D617-44FB-BB0A-CF401CB10E07}"/>
+              </a:ext>
+            </a:extLst>
+          </p:cNvPr>
+          <p:cNvPicPr>
+            <a:picLocks noChangeAspect="1"/>
+          </p:cNvPicPr>
+          <p:nvPr/>
+        </p:nvPicPr>
+        <p:blipFill>
+          <a:blip r:embed="rId4"/>
+          <a:stretch>
+            <a:fillRect/>
+          </a:stretch>
+        </p:blipFill>
+        <p:spPr>
+          <a:xfrm>
+            <a:off x="3730070" y="3202481"/>
+            <a:ext cx="7086413" cy="1852934"/>
+          </a:xfrm>
+          <a:prstGeom prst="rect">
+            <a:avLst/>
+          </a:prstGeom>
+          <a:ln>
+            <a:noFill/>
+          </a:ln>
+          <a:effectLst>
+            <a:outerShdw blurRad="292100" dist="139700" dir="2700000" algn="tl" rotWithShape="0">
+              <a:srgbClr val="333333">
+                <a:alpha val="65000"/>
+              </a:srgbClr>
+            </a:outerShdw>
+          </a:effectLst>
+        </p:spPr>
+      </p:pic>
     </p:spTree>
     <p:extLst>
       <p:ext uri="{BB962C8B-B14F-4D97-AF65-F5344CB8AC3E}">
@@ -7814,6 +8148,53 @@
           <a:prstGeom prst="rect">
             <a:avLst/>
           </a:prstGeom>
+        </p:spPr>
+      </p:pic>
+      <p:pic>
+        <p:nvPicPr>
+          <p:cNvPr id="7" name="Picture 2">
+            <a:extLst>
+              <a:ext uri="{FF2B5EF4-FFF2-40B4-BE49-F238E27FC236}">
+                <a16:creationId xmlns:a16="http://schemas.microsoft.com/office/drawing/2014/main" id="{7DCD4982-B515-4021-B7EE-1A758DEE7939}"/>
+              </a:ext>
+            </a:extLst>
+          </p:cNvPr>
+          <p:cNvPicPr>
+            <a:picLocks noChangeAspect="1" noChangeArrowheads="1"/>
+          </p:cNvPicPr>
+          <p:nvPr/>
+        </p:nvPicPr>
+        <p:blipFill>
+          <a:blip r:embed="rId4">
+            <a:extLst>
+              <a:ext uri="{28A0092B-C50C-407E-A947-70E740481C1C}">
+                <a14:useLocalDpi xmlns:a14="http://schemas.microsoft.com/office/drawing/2010/main" val="0"/>
+              </a:ext>
+            </a:extLst>
+          </a:blip>
+          <a:srcRect/>
+          <a:stretch>
+            <a:fillRect/>
+          </a:stretch>
+        </p:blipFill>
+        <p:spPr bwMode="auto">
+          <a:xfrm>
+            <a:off x="9030919" y="610620"/>
+            <a:ext cx="2769742" cy="2769742"/>
+          </a:xfrm>
+          <a:prstGeom prst="rect">
+            <a:avLst/>
+          </a:prstGeom>
+          <a:noFill/>
+          <a:extLst>
+            <a:ext uri="{909E8E84-426E-40DD-AFC4-6F175D3DCCD1}">
+              <a14:hiddenFill xmlns:a14="http://schemas.microsoft.com/office/drawing/2010/main">
+                <a:solidFill>
+                  <a:srgbClr val="FFFFFF"/>
+                </a:solidFill>
+              </a14:hiddenFill>
+            </a:ext>
+          </a:extLst>
         </p:spPr>
       </p:pic>
     </p:spTree>
@@ -8137,30 +8518,45 @@
 </file>
 
 <file path=customXml/item1.xml><?xml version="1.0" encoding="utf-8"?>
+<?mso-contentType ?>
+<FormTemplates xmlns="http://schemas.microsoft.com/sharepoint/v3/contenttype/forms">
+  <Display>DocumentLibraryForm</Display>
+  <Edit>DocumentLibraryForm</Edit>
+  <New>DocumentLibraryForm</New>
+</FormTemplates>
+</file>
+
+<file path=customXml/item2.xml><?xml version="1.0" encoding="utf-8"?>
 <p:properties xmlns:p="http://schemas.microsoft.com/office/2006/metadata/properties" xmlns:xsi="http://www.w3.org/2001/XMLSchema-instance" xmlns:pc="http://schemas.microsoft.com/office/infopath/2007/PartnerControls">
   <documentManagement/>
 </p:properties>
 </file>
 
-<file path=customXml/item2.xml><?xml version="1.0" encoding="utf-8"?>
-<ct:contentTypeSchema xmlns:ct="http://schemas.microsoft.com/office/2006/metadata/contentType" xmlns:ma="http://schemas.microsoft.com/office/2006/metadata/properties/metaAttributes" ct:_="" ma:_="" ma:contentTypeName="Документ" ma:contentTypeID="0x0101008DFA87E0EA95954FAAA043472012DDC2" ma:contentTypeVersion="8" ma:contentTypeDescription="Създаване на нов документ" ma:contentTypeScope="" ma:versionID="83ac14731d103c8a52b9af0dbddc095f">
-  <xsd:schema xmlns:xsd="http://www.w3.org/2001/XMLSchema" xmlns:xs="http://www.w3.org/2001/XMLSchema" xmlns:p="http://schemas.microsoft.com/office/2006/metadata/properties" xmlns:ns3="1c83ee7e-6573-437d-9db5-48e4d246fba7" xmlns:ns4="d00b8f54-f3cf-445f-8972-2afa33eddbf2" targetNamespace="http://schemas.microsoft.com/office/2006/metadata/properties" ma:root="true" ma:fieldsID="1b078c55dfd995ef75ca2ae433661e54" ns3:_="" ns4:_="">
+<file path=customXml/item3.xml><?xml version="1.0" encoding="utf-8"?>
+<ct:contentTypeSchema xmlns:ct="http://schemas.microsoft.com/office/2006/metadata/contentType" xmlns:ma="http://schemas.microsoft.com/office/2006/metadata/properties/metaAttributes" ct:_="" ma:_="" ma:contentTypeName="Документ" ma:contentTypeID="0x0101008DFA87E0EA95954FAAA043472012DDC2" ma:contentTypeVersion="14" ma:contentTypeDescription="Създаване на нов документ" ma:contentTypeScope="" ma:versionID="cb82f11138fefc57fa7c56e36c3d98cc">
+  <xsd:schema xmlns:xsd="http://www.w3.org/2001/XMLSchema" xmlns:xs="http://www.w3.org/2001/XMLSchema" xmlns:p="http://schemas.microsoft.com/office/2006/metadata/properties" xmlns:ns3="d00b8f54-f3cf-445f-8972-2afa33eddbf2" xmlns:ns4="1c83ee7e-6573-437d-9db5-48e4d246fba7" targetNamespace="http://schemas.microsoft.com/office/2006/metadata/properties" ma:root="true" ma:fieldsID="7c21f1a9b3b31a27de2bca426b7906a4" ns3:_="" ns4:_="">
+    <xsd:import namespace="d00b8f54-f3cf-445f-8972-2afa33eddbf2"/>
     <xsd:import namespace="1c83ee7e-6573-437d-9db5-48e4d246fba7"/>
-    <xsd:import namespace="d00b8f54-f3cf-445f-8972-2afa33eddbf2"/>
     <xsd:element name="properties">
       <xsd:complexType>
         <xsd:sequence>
           <xsd:element name="documentManagement">
             <xsd:complexType>
               <xsd:all>
-                <xsd:element ref="ns3:SharedWithUsers" minOccurs="0"/>
-                <xsd:element ref="ns3:SharedWithDetails" minOccurs="0"/>
-                <xsd:element ref="ns3:SharingHintHash" minOccurs="0"/>
-                <xsd:element ref="ns4:MediaServiceMetadata" minOccurs="0"/>
-                <xsd:element ref="ns4:MediaServiceFastMetadata" minOccurs="0"/>
-                <xsd:element ref="ns4:MediaServiceAutoKeyPoints" minOccurs="0"/>
-                <xsd:element ref="ns4:MediaServiceKeyPoints" minOccurs="0"/>
-                <xsd:element ref="ns4:MediaServiceDateTaken" minOccurs="0"/>
+                <xsd:element ref="ns3:MediaServiceMetadata" minOccurs="0"/>
+                <xsd:element ref="ns3:MediaServiceFastMetadata" minOccurs="0"/>
+                <xsd:element ref="ns4:SharedWithUsers" minOccurs="0"/>
+                <xsd:element ref="ns4:SharedWithDetails" minOccurs="0"/>
+                <xsd:element ref="ns4:SharingHintHash" minOccurs="0"/>
+                <xsd:element ref="ns3:MediaServiceAutoKeyPoints" minOccurs="0"/>
+                <xsd:element ref="ns3:MediaServiceKeyPoints" minOccurs="0"/>
+                <xsd:element ref="ns3:MediaServiceDateTaken" minOccurs="0"/>
+                <xsd:element ref="ns3:MediaServiceAutoTags" minOccurs="0"/>
+                <xsd:element ref="ns3:MediaServiceGenerationTime" minOccurs="0"/>
+                <xsd:element ref="ns3:MediaServiceEventHashCode" minOccurs="0"/>
+                <xsd:element ref="ns3:MediaServiceOCR" minOccurs="0"/>
+                <xsd:element ref="ns3:MediaServiceLocation" minOccurs="0"/>
+                <xsd:element ref="ns3:MediaLengthInSeconds" minOccurs="0"/>
               </xsd:all>
             </xsd:complexType>
           </xsd:element>
@@ -8168,10 +8564,73 @@
       </xsd:complexType>
     </xsd:element>
   </xsd:schema>
+  <xsd:schema xmlns:xsd="http://www.w3.org/2001/XMLSchema" xmlns:xs="http://www.w3.org/2001/XMLSchema" xmlns:dms="http://schemas.microsoft.com/office/2006/documentManagement/types" xmlns:pc="http://schemas.microsoft.com/office/infopath/2007/PartnerControls" targetNamespace="d00b8f54-f3cf-445f-8972-2afa33eddbf2" elementFormDefault="qualified">
+    <xsd:import namespace="http://schemas.microsoft.com/office/2006/documentManagement/types"/>
+    <xsd:import namespace="http://schemas.microsoft.com/office/infopath/2007/PartnerControls"/>
+    <xsd:element name="MediaServiceMetadata" ma:index="8" nillable="true" ma:displayName="MediaServiceMetadata" ma:hidden="true" ma:internalName="MediaServiceMetadata" ma:readOnly="true">
+      <xsd:simpleType>
+        <xsd:restriction base="dms:Note"/>
+      </xsd:simpleType>
+    </xsd:element>
+    <xsd:element name="MediaServiceFastMetadata" ma:index="9" nillable="true" ma:displayName="MediaServiceFastMetadata" ma:hidden="true" ma:internalName="MediaServiceFastMetadata" ma:readOnly="true">
+      <xsd:simpleType>
+        <xsd:restriction base="dms:Note"/>
+      </xsd:simpleType>
+    </xsd:element>
+    <xsd:element name="MediaServiceAutoKeyPoints" ma:index="13" nillable="true" ma:displayName="MediaServiceAutoKeyPoints" ma:hidden="true" ma:internalName="MediaServiceAutoKeyPoints" ma:readOnly="true">
+      <xsd:simpleType>
+        <xsd:restriction base="dms:Note"/>
+      </xsd:simpleType>
+    </xsd:element>
+    <xsd:element name="MediaServiceKeyPoints" ma:index="14" nillable="true" ma:displayName="KeyPoints" ma:internalName="MediaServiceKeyPoints" ma:readOnly="true">
+      <xsd:simpleType>
+        <xsd:restriction base="dms:Note">
+          <xsd:maxLength value="255"/>
+        </xsd:restriction>
+      </xsd:simpleType>
+    </xsd:element>
+    <xsd:element name="MediaServiceDateTaken" ma:index="15" nillable="true" ma:displayName="MediaServiceDateTaken" ma:hidden="true" ma:internalName="MediaServiceDateTaken" ma:readOnly="true">
+      <xsd:simpleType>
+        <xsd:restriction base="dms:Text"/>
+      </xsd:simpleType>
+    </xsd:element>
+    <xsd:element name="MediaServiceAutoTags" ma:index="16" nillable="true" ma:displayName="Tags" ma:internalName="MediaServiceAutoTags" ma:readOnly="true">
+      <xsd:simpleType>
+        <xsd:restriction base="dms:Text"/>
+      </xsd:simpleType>
+    </xsd:element>
+    <xsd:element name="MediaServiceGenerationTime" ma:index="17" nillable="true" ma:displayName="MediaServiceGenerationTime" ma:hidden="true" ma:internalName="MediaServiceGenerationTime" ma:readOnly="true">
+      <xsd:simpleType>
+        <xsd:restriction base="dms:Text"/>
+      </xsd:simpleType>
+    </xsd:element>
+    <xsd:element name="MediaServiceEventHashCode" ma:index="18" nillable="true" ma:displayName="MediaServiceEventHashCode" ma:hidden="true" ma:internalName="MediaServiceEventHashCode" ma:readOnly="true">
+      <xsd:simpleType>
+        <xsd:restriction base="dms:Text"/>
+      </xsd:simpleType>
+    </xsd:element>
+    <xsd:element name="MediaServiceOCR" ma:index="19" nillable="true" ma:displayName="Extracted Text" ma:internalName="MediaServiceOCR" ma:readOnly="true">
+      <xsd:simpleType>
+        <xsd:restriction base="dms:Note">
+          <xsd:maxLength value="255"/>
+        </xsd:restriction>
+      </xsd:simpleType>
+    </xsd:element>
+    <xsd:element name="MediaServiceLocation" ma:index="20" nillable="true" ma:displayName="Location" ma:internalName="MediaServiceLocation" ma:readOnly="true">
+      <xsd:simpleType>
+        <xsd:restriction base="dms:Text"/>
+      </xsd:simpleType>
+    </xsd:element>
+    <xsd:element name="MediaLengthInSeconds" ma:index="21" nillable="true" ma:displayName="Length (seconds)" ma:internalName="MediaLengthInSeconds" ma:readOnly="true">
+      <xsd:simpleType>
+        <xsd:restriction base="dms:Unknown"/>
+      </xsd:simpleType>
+    </xsd:element>
+  </xsd:schema>
   <xsd:schema xmlns:xsd="http://www.w3.org/2001/XMLSchema" xmlns:xs="http://www.w3.org/2001/XMLSchema" xmlns:dms="http://schemas.microsoft.com/office/2006/documentManagement/types" xmlns:pc="http://schemas.microsoft.com/office/infopath/2007/PartnerControls" targetNamespace="1c83ee7e-6573-437d-9db5-48e4d246fba7" elementFormDefault="qualified">
     <xsd:import namespace="http://schemas.microsoft.com/office/2006/documentManagement/types"/>
     <xsd:import namespace="http://schemas.microsoft.com/office/infopath/2007/PartnerControls"/>
-    <xsd:element name="SharedWithUsers" ma:index="8" nillable="true" ma:displayName="Споделено с" ma:internalName="SharedWithUsers" ma:readOnly="true">
+    <xsd:element name="SharedWithUsers" ma:index="10" nillable="true" ma:displayName="Споделено с" ma:internalName="SharedWithUsers" ma:readOnly="true">
       <xsd:complexType>
         <xsd:complexContent>
           <xsd:extension base="dms:UserMulti">
@@ -8190,45 +8649,14 @@
         </xsd:complexContent>
       </xsd:complexType>
     </xsd:element>
-    <xsd:element name="SharedWithDetails" ma:index="9" nillable="true" ma:displayName="Споделени с подробности" ma:internalName="SharedWithDetails" ma:readOnly="true">
+    <xsd:element name="SharedWithDetails" ma:index="11" nillable="true" ma:displayName="Споделени с подробности" ma:internalName="SharedWithDetails" ma:readOnly="true">
       <xsd:simpleType>
         <xsd:restriction base="dms:Note">
           <xsd:maxLength value="255"/>
         </xsd:restriction>
       </xsd:simpleType>
     </xsd:element>
-    <xsd:element name="SharingHintHash" ma:index="10" nillable="true" ma:displayName="Хеширане на подсказване за споделяне" ma:hidden="true" ma:internalName="SharingHintHash" ma:readOnly="true">
-      <xsd:simpleType>
-        <xsd:restriction base="dms:Text"/>
-      </xsd:simpleType>
-    </xsd:element>
-  </xsd:schema>
-  <xsd:schema xmlns:xsd="http://www.w3.org/2001/XMLSchema" xmlns:xs="http://www.w3.org/2001/XMLSchema" xmlns:dms="http://schemas.microsoft.com/office/2006/documentManagement/types" xmlns:pc="http://schemas.microsoft.com/office/infopath/2007/PartnerControls" targetNamespace="d00b8f54-f3cf-445f-8972-2afa33eddbf2" elementFormDefault="qualified">
-    <xsd:import namespace="http://schemas.microsoft.com/office/2006/documentManagement/types"/>
-    <xsd:import namespace="http://schemas.microsoft.com/office/infopath/2007/PartnerControls"/>
-    <xsd:element name="MediaServiceMetadata" ma:index="11" nillable="true" ma:displayName="MediaServiceMetadata" ma:hidden="true" ma:internalName="MediaServiceMetadata" ma:readOnly="true">
-      <xsd:simpleType>
-        <xsd:restriction base="dms:Note"/>
-      </xsd:simpleType>
-    </xsd:element>
-    <xsd:element name="MediaServiceFastMetadata" ma:index="12" nillable="true" ma:displayName="MediaServiceFastMetadata" ma:hidden="true" ma:internalName="MediaServiceFastMetadata" ma:readOnly="true">
-      <xsd:simpleType>
-        <xsd:restriction base="dms:Note"/>
-      </xsd:simpleType>
-    </xsd:element>
-    <xsd:element name="MediaServiceAutoKeyPoints" ma:index="13" nillable="true" ma:displayName="MediaServiceAutoKeyPoints" ma:hidden="true" ma:internalName="MediaServiceAutoKeyPoints" ma:readOnly="true">
-      <xsd:simpleType>
-        <xsd:restriction base="dms:Note"/>
-      </xsd:simpleType>
-    </xsd:element>
-    <xsd:element name="MediaServiceKeyPoints" ma:index="14" nillable="true" ma:displayName="KeyPoints" ma:internalName="MediaServiceKeyPoints" ma:readOnly="true">
-      <xsd:simpleType>
-        <xsd:restriction base="dms:Note">
-          <xsd:maxLength value="255"/>
-        </xsd:restriction>
-      </xsd:simpleType>
-    </xsd:element>
-    <xsd:element name="MediaServiceDateTaken" ma:index="15" nillable="true" ma:displayName="MediaServiceDateTaken" ma:hidden="true" ma:internalName="MediaServiceDateTaken" ma:readOnly="true">
+    <xsd:element name="SharingHintHash" ma:index="12" nillable="true" ma:displayName="Хеширане на подсказване за споделяне" ma:hidden="true" ma:internalName="SharingHintHash" ma:readOnly="true">
       <xsd:simpleType>
         <xsd:restriction base="dms:Text"/>
       </xsd:simpleType>
@@ -8333,55 +8761,46 @@
 </ct:contentTypeSchema>
 </file>
 
-<file path=customXml/item3.xml><?xml version="1.0" encoding="utf-8"?>
-<?mso-contentType ?>
-<FormTemplates xmlns="http://schemas.microsoft.com/sharepoint/v3/contenttype/forms">
-  <Display>DocumentLibraryForm</Display>
-  <Edit>DocumentLibraryForm</Edit>
-  <New>DocumentLibraryForm</New>
-</FormTemplates>
-</file>
-
 <file path=customXml/itemProps1.xml><?xml version="1.0" encoding="utf-8"?>
-<ds:datastoreItem xmlns:ds="http://schemas.openxmlformats.org/officeDocument/2006/customXml" ds:itemID="{D034C007-F3E9-4272-90B8-A767B4D97D6F}">
+<ds:datastoreItem xmlns:ds="http://schemas.openxmlformats.org/officeDocument/2006/customXml" ds:itemID="{33D178F3-3950-481E-A4F6-8C1907C995A1}">
   <ds:schemaRefs>
-    <ds:schemaRef ds:uri="1c83ee7e-6573-437d-9db5-48e4d246fba7"/>
-    <ds:schemaRef ds:uri="d00b8f54-f3cf-445f-8972-2afa33eddbf2"/>
-    <ds:schemaRef ds:uri="http://purl.org/dc/dcmitype/"/>
-    <ds:schemaRef ds:uri="http://purl.org/dc/elements/1.1/"/>
-    <ds:schemaRef ds:uri="http://purl.org/dc/terms/"/>
-    <ds:schemaRef ds:uri="http://schemas.microsoft.com/office/2006/documentManagement/types"/>
-    <ds:schemaRef ds:uri="http://schemas.microsoft.com/office/2006/metadata/properties"/>
-    <ds:schemaRef ds:uri="http://schemas.microsoft.com/office/infopath/2007/PartnerControls"/>
-    <ds:schemaRef ds:uri="http://schemas.openxmlformats.org/package/2006/metadata/core-properties"/>
-    <ds:schemaRef ds:uri="http://www.w3.org/XML/1998/namespace"/>
+    <ds:schemaRef ds:uri="http://schemas.microsoft.com/sharepoint/v3/contenttype/forms"/>
   </ds:schemaRefs>
 </ds:datastoreItem>
 </file>
 
 <file path=customXml/itemProps2.xml><?xml version="1.0" encoding="utf-8"?>
-<ds:datastoreItem xmlns:ds="http://schemas.openxmlformats.org/officeDocument/2006/customXml" ds:itemID="{43F5514A-EF59-4071-8C69-E21519464E1C}">
+<ds:datastoreItem xmlns:ds="http://schemas.openxmlformats.org/officeDocument/2006/customXml" ds:itemID="{D034C007-F3E9-4272-90B8-A767B4D97D6F}">
   <ds:schemaRefs>
+    <ds:schemaRef ds:uri="http://purl.org/dc/terms/"/>
+    <ds:schemaRef ds:uri="http://purl.org/dc/dcmitype/"/>
+    <ds:schemaRef ds:uri="http://schemas.microsoft.com/office/2006/metadata/properties"/>
     <ds:schemaRef ds:uri="1c83ee7e-6573-437d-9db5-48e4d246fba7"/>
-    <ds:schemaRef ds:uri="d00b8f54-f3cf-445f-8972-2afa33eddbf2"/>
     <ds:schemaRef ds:uri="http://purl.org/dc/elements/1.1/"/>
-    <ds:schemaRef ds:uri="http://purl.org/dc/terms/"/>
-    <ds:schemaRef ds:uri="http://schemas.microsoft.com/internal/obd"/>
     <ds:schemaRef ds:uri="http://schemas.microsoft.com/office/2006/documentManagement/types"/>
-    <ds:schemaRef ds:uri="http://schemas.microsoft.com/office/2006/metadata/contentType"/>
-    <ds:schemaRef ds:uri="http://schemas.microsoft.com/office/2006/metadata/properties"/>
-    <ds:schemaRef ds:uri="http://schemas.microsoft.com/office/2006/metadata/properties/metaAttributes"/>
+    <ds:schemaRef ds:uri="http://www.w3.org/XML/1998/namespace"/>
     <ds:schemaRef ds:uri="http://schemas.microsoft.com/office/infopath/2007/PartnerControls"/>
     <ds:schemaRef ds:uri="http://schemas.openxmlformats.org/package/2006/metadata/core-properties"/>
-    <ds:schemaRef ds:uri="http://www.w3.org/2001/XMLSchema"/>
+    <ds:schemaRef ds:uri="d00b8f54-f3cf-445f-8972-2afa33eddbf2"/>
   </ds:schemaRefs>
 </ds:datastoreItem>
 </file>
 
 <file path=customXml/itemProps3.xml><?xml version="1.0" encoding="utf-8"?>
-<ds:datastoreItem xmlns:ds="http://schemas.openxmlformats.org/officeDocument/2006/customXml" ds:itemID="{33D178F3-3950-481E-A4F6-8C1907C995A1}">
+<ds:datastoreItem xmlns:ds="http://schemas.openxmlformats.org/officeDocument/2006/customXml" ds:itemID="{CA52AADA-3ACA-436C-9DBA-32E6EC214D97}">
   <ds:schemaRefs>
-    <ds:schemaRef ds:uri="http://schemas.microsoft.com/sharepoint/v3/contenttype/forms"/>
+    <ds:schemaRef ds:uri="http://schemas.microsoft.com/office/2006/metadata/contentType"/>
+    <ds:schemaRef ds:uri="http://schemas.microsoft.com/office/2006/metadata/properties/metaAttributes"/>
+    <ds:schemaRef ds:uri="http://www.w3.org/2001/XMLSchema"/>
+    <ds:schemaRef ds:uri="http://schemas.microsoft.com/office/2006/metadata/properties"/>
+    <ds:schemaRef ds:uri="d00b8f54-f3cf-445f-8972-2afa33eddbf2"/>
+    <ds:schemaRef ds:uri="1c83ee7e-6573-437d-9db5-48e4d246fba7"/>
+    <ds:schemaRef ds:uri="http://schemas.microsoft.com/office/2006/documentManagement/types"/>
+    <ds:schemaRef ds:uri="http://schemas.microsoft.com/office/infopath/2007/PartnerControls"/>
+    <ds:schemaRef ds:uri="http://schemas.openxmlformats.org/package/2006/metadata/core-properties"/>
+    <ds:schemaRef ds:uri="http://purl.org/dc/elements/1.1/"/>
+    <ds:schemaRef ds:uri="http://purl.org/dc/terms/"/>
+    <ds:schemaRef ds:uri="http://schemas.microsoft.com/internal/obd"/>
   </ds:schemaRefs>
 </ds:datastoreItem>
 </file>